--- a/02_Flopy_1_2_3__/01.pptx
+++ b/02_Flopy_1_2_3__/01.pptx
@@ -7,6 +7,7 @@
   <p:sldIdLst>
     <p:sldId id="256" r:id="rId2"/>
     <p:sldId id="257" r:id="rId3"/>
+    <p:sldId id="258" r:id="rId4"/>
   </p:sldIdLst>
   <p:sldSz cx="12192000" cy="6858000"/>
   <p:notesSz cx="6858000" cy="9144000"/>
@@ -262,7 +263,7 @@
           <a:p>
             <a:fld id="{830943F9-8AC6-4393-AEEF-D45C2A43C7C7}" type="datetimeFigureOut">
               <a:rPr lang="LID4096" smtClean="0"/>
-              <a:t>12/17/2024</a:t>
+              <a:t>12/18/2024</a:t>
             </a:fld>
             <a:endParaRPr lang="LID4096"/>
           </a:p>
@@ -462,7 +463,7 @@
           <a:p>
             <a:fld id="{830943F9-8AC6-4393-AEEF-D45C2A43C7C7}" type="datetimeFigureOut">
               <a:rPr lang="LID4096" smtClean="0"/>
-              <a:t>12/17/2024</a:t>
+              <a:t>12/18/2024</a:t>
             </a:fld>
             <a:endParaRPr lang="LID4096"/>
           </a:p>
@@ -672,7 +673,7 @@
           <a:p>
             <a:fld id="{830943F9-8AC6-4393-AEEF-D45C2A43C7C7}" type="datetimeFigureOut">
               <a:rPr lang="LID4096" smtClean="0"/>
-              <a:t>12/17/2024</a:t>
+              <a:t>12/18/2024</a:t>
             </a:fld>
             <a:endParaRPr lang="LID4096"/>
           </a:p>
@@ -872,7 +873,7 @@
           <a:p>
             <a:fld id="{830943F9-8AC6-4393-AEEF-D45C2A43C7C7}" type="datetimeFigureOut">
               <a:rPr lang="LID4096" smtClean="0"/>
-              <a:t>12/17/2024</a:t>
+              <a:t>12/18/2024</a:t>
             </a:fld>
             <a:endParaRPr lang="LID4096"/>
           </a:p>
@@ -1148,7 +1149,7 @@
           <a:p>
             <a:fld id="{830943F9-8AC6-4393-AEEF-D45C2A43C7C7}" type="datetimeFigureOut">
               <a:rPr lang="LID4096" smtClean="0"/>
-              <a:t>12/17/2024</a:t>
+              <a:t>12/18/2024</a:t>
             </a:fld>
             <a:endParaRPr lang="LID4096"/>
           </a:p>
@@ -1416,7 +1417,7 @@
           <a:p>
             <a:fld id="{830943F9-8AC6-4393-AEEF-D45C2A43C7C7}" type="datetimeFigureOut">
               <a:rPr lang="LID4096" smtClean="0"/>
-              <a:t>12/17/2024</a:t>
+              <a:t>12/18/2024</a:t>
             </a:fld>
             <a:endParaRPr lang="LID4096"/>
           </a:p>
@@ -1831,7 +1832,7 @@
           <a:p>
             <a:fld id="{830943F9-8AC6-4393-AEEF-D45C2A43C7C7}" type="datetimeFigureOut">
               <a:rPr lang="LID4096" smtClean="0"/>
-              <a:t>12/17/2024</a:t>
+              <a:t>12/18/2024</a:t>
             </a:fld>
             <a:endParaRPr lang="LID4096"/>
           </a:p>
@@ -1973,7 +1974,7 @@
           <a:p>
             <a:fld id="{830943F9-8AC6-4393-AEEF-D45C2A43C7C7}" type="datetimeFigureOut">
               <a:rPr lang="LID4096" smtClean="0"/>
-              <a:t>12/17/2024</a:t>
+              <a:t>12/18/2024</a:t>
             </a:fld>
             <a:endParaRPr lang="LID4096"/>
           </a:p>
@@ -2086,7 +2087,7 @@
           <a:p>
             <a:fld id="{830943F9-8AC6-4393-AEEF-D45C2A43C7C7}" type="datetimeFigureOut">
               <a:rPr lang="LID4096" smtClean="0"/>
-              <a:t>12/17/2024</a:t>
+              <a:t>12/18/2024</a:t>
             </a:fld>
             <a:endParaRPr lang="LID4096"/>
           </a:p>
@@ -2399,7 +2400,7 @@
           <a:p>
             <a:fld id="{830943F9-8AC6-4393-AEEF-D45C2A43C7C7}" type="datetimeFigureOut">
               <a:rPr lang="LID4096" smtClean="0"/>
-              <a:t>12/17/2024</a:t>
+              <a:t>12/18/2024</a:t>
             </a:fld>
             <a:endParaRPr lang="LID4096"/>
           </a:p>
@@ -2688,7 +2689,7 @@
           <a:p>
             <a:fld id="{830943F9-8AC6-4393-AEEF-D45C2A43C7C7}" type="datetimeFigureOut">
               <a:rPr lang="LID4096" smtClean="0"/>
-              <a:t>12/17/2024</a:t>
+              <a:t>12/18/2024</a:t>
             </a:fld>
             <a:endParaRPr lang="LID4096"/>
           </a:p>
@@ -2931,7 +2932,7 @@
           <a:p>
             <a:fld id="{830943F9-8AC6-4393-AEEF-D45C2A43C7C7}" type="datetimeFigureOut">
               <a:rPr lang="LID4096" smtClean="0"/>
-              <a:t>12/17/2024</a:t>
+              <a:t>12/18/2024</a:t>
             </a:fld>
             <a:endParaRPr lang="LID4096"/>
           </a:p>
@@ -4113,10 +4114,10 @@
             </p:nvGrpSpPr>
             <p:grpSpPr>
               <a:xfrm>
-                <a:off x="971005" y="3584557"/>
-                <a:ext cx="5212083" cy="1796754"/>
-                <a:chOff x="883917" y="2098766"/>
-                <a:chExt cx="5212083" cy="1796754"/>
+                <a:off x="971005" y="3550900"/>
+                <a:ext cx="5212083" cy="1830411"/>
+                <a:chOff x="883917" y="2065109"/>
+                <a:chExt cx="5212083" cy="1830411"/>
               </a:xfrm>
             </p:grpSpPr>
             <p:grpSp>
@@ -4133,10 +4134,10 @@
               </p:nvGrpSpPr>
               <p:grpSpPr>
                 <a:xfrm>
-                  <a:off x="883917" y="2098766"/>
-                  <a:ext cx="5212083" cy="1796754"/>
-                  <a:chOff x="1389015" y="2786743"/>
-                  <a:chExt cx="5212083" cy="1796754"/>
+                  <a:off x="883917" y="2065109"/>
+                  <a:ext cx="5212083" cy="1830411"/>
+                  <a:chOff x="1389015" y="2753086"/>
+                  <a:chExt cx="5212083" cy="1830411"/>
                 </a:xfrm>
               </p:grpSpPr>
               <p:sp>
@@ -4205,8 +4206,8 @@
                 </p:nvSpPr>
                 <p:spPr>
                   <a:xfrm>
-                    <a:off x="1389015" y="3106169"/>
-                    <a:ext cx="5212083" cy="1477328"/>
+                    <a:off x="1389015" y="2753086"/>
+                    <a:ext cx="5212083" cy="1754326"/>
                   </a:xfrm>
                   <a:prstGeom prst="rect">
                     <a:avLst/>
@@ -4218,6 +4219,25 @@
                     <a:spAutoFit/>
                   </a:bodyPr>
                   <a:lstStyle/>
+                  <a:p>
+                    <a:r>
+                      <a:rPr lang="LID4096" dirty="0"/>
+                      <a:t>fpm.Modflow</a:t>
+                    </a:r>
+                    <a:r>
+                      <a:rPr lang="pt-BR" dirty="0"/>
+                      <a:t>  </a:t>
+                    </a:r>
+                    <a:r>
+                      <a:rPr lang="LID4096" dirty="0">
+                        <a:solidFill>
+                          <a:srgbClr val="0000FF"/>
+                        </a:solidFill>
+                      </a:rPr>
+                      <a:t>Dis</a:t>
+                    </a:r>
+                    <a:endParaRPr lang="pt-BR" dirty="0"/>
+                  </a:p>
                   <a:p>
                     <a:r>
                       <a:rPr lang="LID4096" dirty="0"/>
@@ -4531,22 +4551,11 @@
             </a:bodyPr>
             <a:lstStyle/>
             <a:p>
-              <a:r>
-                <a:rPr lang="LID4096" dirty="0"/>
-                <a:t>fpm.Modflow</a:t>
-              </a:r>
-              <a:r>
-                <a:rPr lang="pt-BR" dirty="0"/>
-                <a:t>  </a:t>
-              </a:r>
-              <a:r>
-                <a:rPr lang="LID4096" dirty="0">
-                  <a:solidFill>
-                    <a:srgbClr val="0000FF"/>
-                  </a:solidFill>
-                </a:rPr>
-                <a:t>Dis</a:t>
-              </a:r>
+              <a:endParaRPr lang="LID4096" dirty="0">
+                <a:solidFill>
+                  <a:srgbClr val="0000FF"/>
+                </a:solidFill>
+              </a:endParaRPr>
             </a:p>
           </p:txBody>
         </p:sp>
@@ -4601,7 +4610,7 @@
         </p:nvSpPr>
         <p:spPr>
           <a:xfrm>
-            <a:off x="1040672" y="958816"/>
+            <a:off x="443144" y="129706"/>
             <a:ext cx="770711" cy="261610"/>
           </a:xfrm>
           <a:prstGeom prst="rect">
@@ -4658,7 +4667,15 @@
           <a:p>
             <a:r>
               <a:rPr lang="LID4096" dirty="0"/>
-              <a:t>flopy.mf6.Modflow</a:t>
+              <a:t>flopy.</a:t>
+            </a:r>
+            <a:r>
+              <a:rPr lang="LID4096" dirty="0">
+                <a:solidFill>
+                  <a:srgbClr val="FF0000"/>
+                </a:solidFill>
+              </a:rPr>
+              <a:t>mf6.Modflow</a:t>
             </a:r>
             <a:r>
               <a:rPr lang="LID4096" sz="2000" b="1" dirty="0">
@@ -5158,7 +5175,7 @@
         </p:nvSpPr>
         <p:spPr>
           <a:xfrm>
-            <a:off x="3241933" y="822960"/>
+            <a:off x="4735755" y="88891"/>
             <a:ext cx="7549797" cy="523220"/>
           </a:xfrm>
           <a:prstGeom prst="rect">
@@ -5179,10 +5196,1168 @@
           </a:p>
         </p:txBody>
       </p:sp>
+      <p:sp>
+        <p:nvSpPr>
+          <p:cNvPr id="3" name="TextBox 2">
+            <a:extLst>
+              <a:ext uri="{FF2B5EF4-FFF2-40B4-BE49-F238E27FC236}">
+                <a16:creationId xmlns:a16="http://schemas.microsoft.com/office/drawing/2014/main" id="{B6369578-36F8-483D-6A4A-E4E8EB599582}"/>
+              </a:ext>
+            </a:extLst>
+          </p:cNvPr>
+          <p:cNvSpPr txBox="1"/>
+          <p:nvPr/>
+        </p:nvSpPr>
+        <p:spPr>
+          <a:xfrm>
+            <a:off x="189900" y="1336218"/>
+            <a:ext cx="9623834" cy="923330"/>
+          </a:xfrm>
+          <a:prstGeom prst="rect">
+            <a:avLst/>
+          </a:prstGeom>
+          <a:noFill/>
+          <a:ln>
+            <a:solidFill>
+              <a:schemeClr val="tx1"/>
+            </a:solidFill>
+          </a:ln>
+        </p:spPr>
+        <p:txBody>
+          <a:bodyPr wrap="square">
+            <a:spAutoFit/>
+          </a:bodyPr>
+          <a:lstStyle/>
+          <a:p>
+            <a:r>
+              <a:rPr lang="LID4096" dirty="0"/>
+              <a:t>wsl = data_path / "uspb" / "flopy“</a:t>
+            </a:r>
+            <a:endParaRPr lang="pt-BR" dirty="0"/>
+          </a:p>
+          <a:p>
+            <a:endParaRPr lang="LID4096" dirty="0"/>
+          </a:p>
+          <a:p>
+            <a:r>
+              <a:rPr lang="LID4096" dirty="0"/>
+              <a:t>ml = flopy.</a:t>
+            </a:r>
+            <a:r>
+              <a:rPr lang="LID4096" dirty="0">
+                <a:solidFill>
+                  <a:srgbClr val="FF0000"/>
+                </a:solidFill>
+              </a:rPr>
+              <a:t>modflow.Modflow</a:t>
+            </a:r>
+            <a:r>
+              <a:rPr lang="LID4096" dirty="0"/>
+              <a:t>.</a:t>
+            </a:r>
+            <a:r>
+              <a:rPr lang="LID4096" b="1" dirty="0">
+                <a:solidFill>
+                  <a:srgbClr val="0000FF"/>
+                </a:solidFill>
+              </a:rPr>
+              <a:t>load</a:t>
+            </a:r>
+            <a:r>
+              <a:rPr lang="LID4096" dirty="0"/>
+              <a:t>("DG.nam", model_ws=wsl, verbose=False)</a:t>
+            </a:r>
+          </a:p>
+        </p:txBody>
+      </p:sp>
+      <p:sp>
+        <p:nvSpPr>
+          <p:cNvPr id="2" name="TextBox 1">
+            <a:extLst>
+              <a:ext uri="{FF2B5EF4-FFF2-40B4-BE49-F238E27FC236}">
+                <a16:creationId xmlns:a16="http://schemas.microsoft.com/office/drawing/2014/main" id="{64AE55E8-5A76-940B-0240-C8CFC4102177}"/>
+              </a:ext>
+            </a:extLst>
+          </p:cNvPr>
+          <p:cNvSpPr txBox="1"/>
+          <p:nvPr/>
+        </p:nvSpPr>
+        <p:spPr>
+          <a:xfrm>
+            <a:off x="5837109" y="6135238"/>
+            <a:ext cx="6097508" cy="646331"/>
+          </a:xfrm>
+          <a:prstGeom prst="rect">
+            <a:avLst/>
+          </a:prstGeom>
+          <a:noFill/>
+        </p:spPr>
+        <p:txBody>
+          <a:bodyPr wrap="square">
+            <a:spAutoFit/>
+          </a:bodyPr>
+          <a:lstStyle/>
+          <a:p>
+            <a:r>
+              <a:rPr lang="LID4096" dirty="0">
+                <a:solidFill>
+                  <a:srgbClr val="FF0000"/>
+                </a:solidFill>
+              </a:rPr>
+              <a:t>riv_dtype = </a:t>
+            </a:r>
+            <a:r>
+              <a:rPr lang="LID4096" dirty="0"/>
+              <a:t>flopy.</a:t>
+            </a:r>
+            <a:r>
+              <a:rPr lang="LID4096" dirty="0">
+                <a:solidFill>
+                  <a:srgbClr val="FF0000"/>
+                </a:solidFill>
+              </a:rPr>
+              <a:t>mf</a:t>
+            </a:r>
+            <a:r>
+              <a:rPr lang="pt-BR" dirty="0">
+                <a:solidFill>
+                  <a:srgbClr val="FF0000"/>
+                </a:solidFill>
+              </a:rPr>
+              <a:t>6</a:t>
+            </a:r>
+            <a:r>
+              <a:rPr lang="LID4096" dirty="0">
+                <a:solidFill>
+                  <a:srgbClr val="FF0000"/>
+                </a:solidFill>
+              </a:rPr>
+              <a:t>.Modflow</a:t>
+            </a:r>
+            <a:r>
+              <a:rPr lang="pt-BR" dirty="0">
+                <a:solidFill>
+                  <a:srgbClr val="FF0000"/>
+                </a:solidFill>
+              </a:rPr>
+              <a:t>CHD</a:t>
+            </a:r>
+            <a:r>
+              <a:rPr lang="LID4096" dirty="0"/>
+              <a:t>.get_default_dtype()</a:t>
+            </a:r>
+          </a:p>
+          <a:p>
+            <a:r>
+              <a:rPr lang="LID4096" dirty="0">
+                <a:solidFill>
+                  <a:srgbClr val="FF0000"/>
+                </a:solidFill>
+              </a:rPr>
+              <a:t>print(</a:t>
+            </a:r>
+            <a:r>
+              <a:rPr lang="pt-BR" dirty="0">
+                <a:solidFill>
+                  <a:srgbClr val="FF0000"/>
+                </a:solidFill>
+              </a:rPr>
+              <a:t>CHD</a:t>
+            </a:r>
+            <a:r>
+              <a:rPr lang="LID4096" dirty="0">
+                <a:solidFill>
+                  <a:srgbClr val="FF0000"/>
+                </a:solidFill>
+              </a:rPr>
+              <a:t>_dtype)</a:t>
+            </a:r>
+          </a:p>
+        </p:txBody>
+      </p:sp>
+      <p:sp>
+        <p:nvSpPr>
+          <p:cNvPr id="4" name="TextBox 3">
+            <a:extLst>
+              <a:ext uri="{FF2B5EF4-FFF2-40B4-BE49-F238E27FC236}">
+                <a16:creationId xmlns:a16="http://schemas.microsoft.com/office/drawing/2014/main" id="{702B578E-7770-E74E-ABD8-EB22DE83D904}"/>
+              </a:ext>
+            </a:extLst>
+          </p:cNvPr>
+          <p:cNvSpPr txBox="1"/>
+          <p:nvPr/>
+        </p:nvSpPr>
+        <p:spPr>
+          <a:xfrm>
+            <a:off x="5373873" y="6273737"/>
+            <a:ext cx="845858" cy="369332"/>
+          </a:xfrm>
+          <a:prstGeom prst="rect">
+            <a:avLst/>
+          </a:prstGeom>
+          <a:noFill/>
+        </p:spPr>
+        <p:txBody>
+          <a:bodyPr wrap="square">
+            <a:spAutoFit/>
+          </a:bodyPr>
+          <a:lstStyle/>
+          <a:p>
+            <a:r>
+              <a:rPr lang="pt-BR" dirty="0">
+                <a:solidFill>
+                  <a:srgbClr val="FF0000"/>
+                </a:solidFill>
+              </a:rPr>
+              <a:t>?</a:t>
+            </a:r>
+            <a:endParaRPr lang="LID4096" dirty="0">
+              <a:solidFill>
+                <a:srgbClr val="FF0000"/>
+              </a:solidFill>
+            </a:endParaRPr>
+          </a:p>
+        </p:txBody>
+      </p:sp>
     </p:spTree>
     <p:extLst>
       <p:ext uri="{BB962C8B-B14F-4D97-AF65-F5344CB8AC3E}">
         <p14:creationId xmlns:p14="http://schemas.microsoft.com/office/powerpoint/2010/main" val="2328517124"/>
+      </p:ext>
+    </p:extLst>
+  </p:cSld>
+  <p:clrMapOvr>
+    <a:masterClrMapping/>
+  </p:clrMapOvr>
+</p:sld>
+</file>
+
+<file path=ppt/slides/slide3.xml><?xml version="1.0" encoding="utf-8"?>
+<p:sld xmlns:a="http://schemas.openxmlformats.org/drawingml/2006/main" xmlns:r="http://schemas.openxmlformats.org/officeDocument/2006/relationships" xmlns:p="http://schemas.openxmlformats.org/presentationml/2006/main">
+  <p:cSld>
+    <p:spTree>
+      <p:nvGrpSpPr>
+        <p:cNvPr id="1" name=""/>
+        <p:cNvGrpSpPr/>
+        <p:nvPr/>
+      </p:nvGrpSpPr>
+      <p:grpSpPr>
+        <a:xfrm>
+          <a:off x="0" y="0"/>
+          <a:ext cx="0" cy="0"/>
+          <a:chOff x="0" y="0"/>
+          <a:chExt cx="0" cy="0"/>
+        </a:xfrm>
+      </p:grpSpPr>
+      <p:pic>
+        <p:nvPicPr>
+          <p:cNvPr id="13" name="Picture 12">
+            <a:extLst>
+              <a:ext uri="{FF2B5EF4-FFF2-40B4-BE49-F238E27FC236}">
+                <a16:creationId xmlns:a16="http://schemas.microsoft.com/office/drawing/2014/main" id="{29695A73-60C5-F9D0-CC62-5415CDBEE317}"/>
+              </a:ext>
+            </a:extLst>
+          </p:cNvPr>
+          <p:cNvPicPr>
+            <a:picLocks noChangeAspect="1"/>
+          </p:cNvPicPr>
+          <p:nvPr/>
+        </p:nvPicPr>
+        <p:blipFill>
+          <a:blip r:embed="rId2"/>
+          <a:stretch>
+            <a:fillRect/>
+          </a:stretch>
+        </p:blipFill>
+        <p:spPr>
+          <a:xfrm>
+            <a:off x="6096000" y="92872"/>
+            <a:ext cx="5788558" cy="1104805"/>
+          </a:xfrm>
+          <a:prstGeom prst="rect">
+            <a:avLst/>
+          </a:prstGeom>
+          <a:ln>
+            <a:solidFill>
+              <a:schemeClr val="accent1"/>
+            </a:solidFill>
+          </a:ln>
+        </p:spPr>
+      </p:pic>
+      <p:sp>
+        <p:nvSpPr>
+          <p:cNvPr id="5" name="TextBox 4">
+            <a:extLst>
+              <a:ext uri="{FF2B5EF4-FFF2-40B4-BE49-F238E27FC236}">
+                <a16:creationId xmlns:a16="http://schemas.microsoft.com/office/drawing/2014/main" id="{B4727F8F-3C83-BE2D-6959-43ABBBF9F75D}"/>
+              </a:ext>
+            </a:extLst>
+          </p:cNvPr>
+          <p:cNvSpPr txBox="1"/>
+          <p:nvPr/>
+        </p:nvSpPr>
+        <p:spPr>
+          <a:xfrm>
+            <a:off x="189899" y="3037474"/>
+            <a:ext cx="7994433" cy="646331"/>
+          </a:xfrm>
+          <a:prstGeom prst="rect">
+            <a:avLst/>
+          </a:prstGeom>
+          <a:noFill/>
+        </p:spPr>
+        <p:txBody>
+          <a:bodyPr wrap="square">
+            <a:spAutoFit/>
+          </a:bodyPr>
+          <a:lstStyle/>
+          <a:p>
+            <a:r>
+              <a:rPr lang="LID4096" dirty="0"/>
+              <a:t>m = flopy.</a:t>
+            </a:r>
+            <a:r>
+              <a:rPr lang="LID4096" dirty="0">
+                <a:solidFill>
+                  <a:srgbClr val="FF0000"/>
+                </a:solidFill>
+              </a:rPr>
+              <a:t>modflow.Modflow</a:t>
+            </a:r>
+            <a:r>
+              <a:rPr lang="LID4096" dirty="0"/>
+              <a:t>(</a:t>
+            </a:r>
+            <a:r>
+              <a:rPr lang="LID4096" dirty="0">
+                <a:solidFill>
+                  <a:srgbClr val="00B050"/>
+                </a:solidFill>
+              </a:rPr>
+              <a:t>modelname="b", </a:t>
+            </a:r>
+            <a:r>
+              <a:rPr lang="LID4096" dirty="0"/>
+              <a:t>model_ws=ws)</a:t>
+            </a:r>
+          </a:p>
+          <a:p>
+            <a:r>
+              <a:rPr lang="LID4096" dirty="0"/>
+              <a:t>riv = flopy.</a:t>
+            </a:r>
+            <a:r>
+              <a:rPr lang="LID4096" dirty="0">
+                <a:solidFill>
+                  <a:srgbClr val="FF0000"/>
+                </a:solidFill>
+              </a:rPr>
+              <a:t>modflow.ModflowRiv</a:t>
+            </a:r>
+            <a:r>
+              <a:rPr lang="LID4096" dirty="0"/>
+              <a:t>(m, stress_period_data=stress_period_data)</a:t>
+            </a:r>
+          </a:p>
+        </p:txBody>
+      </p:sp>
+      <p:sp>
+        <p:nvSpPr>
+          <p:cNvPr id="6" name="TextBox 5">
+            <a:extLst>
+              <a:ext uri="{FF2B5EF4-FFF2-40B4-BE49-F238E27FC236}">
+                <a16:creationId xmlns:a16="http://schemas.microsoft.com/office/drawing/2014/main" id="{9ACCC011-CB0E-6064-1E63-22AAA77F391F}"/>
+              </a:ext>
+            </a:extLst>
+          </p:cNvPr>
+          <p:cNvSpPr txBox="1"/>
+          <p:nvPr/>
+        </p:nvSpPr>
+        <p:spPr>
+          <a:xfrm>
+            <a:off x="189900" y="1336218"/>
+            <a:ext cx="9623834" cy="923330"/>
+          </a:xfrm>
+          <a:prstGeom prst="rect">
+            <a:avLst/>
+          </a:prstGeom>
+          <a:noFill/>
+          <a:ln>
+            <a:solidFill>
+              <a:schemeClr val="tx1"/>
+            </a:solidFill>
+          </a:ln>
+        </p:spPr>
+        <p:txBody>
+          <a:bodyPr wrap="square">
+            <a:spAutoFit/>
+          </a:bodyPr>
+          <a:lstStyle/>
+          <a:p>
+            <a:r>
+              <a:rPr lang="LID4096" dirty="0"/>
+              <a:t>wsl = data_path / "uspb" / "flopy“</a:t>
+            </a:r>
+            <a:endParaRPr lang="pt-BR" dirty="0"/>
+          </a:p>
+          <a:p>
+            <a:endParaRPr lang="LID4096" dirty="0"/>
+          </a:p>
+          <a:p>
+            <a:r>
+              <a:rPr lang="LID4096" dirty="0"/>
+              <a:t>ml = flopy.</a:t>
+            </a:r>
+            <a:r>
+              <a:rPr lang="LID4096" dirty="0">
+                <a:solidFill>
+                  <a:srgbClr val="FF0000"/>
+                </a:solidFill>
+              </a:rPr>
+              <a:t>modflow.Modflow</a:t>
+            </a:r>
+            <a:r>
+              <a:rPr lang="LID4096" dirty="0"/>
+              <a:t>.</a:t>
+            </a:r>
+            <a:r>
+              <a:rPr lang="LID4096" b="1" dirty="0">
+                <a:solidFill>
+                  <a:srgbClr val="0000FF"/>
+                </a:solidFill>
+              </a:rPr>
+              <a:t>load</a:t>
+            </a:r>
+            <a:r>
+              <a:rPr lang="LID4096" dirty="0"/>
+              <a:t>("DG.nam", model_ws=wsl, verbose=False)</a:t>
+            </a:r>
+          </a:p>
+        </p:txBody>
+      </p:sp>
+      <p:sp>
+        <p:nvSpPr>
+          <p:cNvPr id="8" name="TextBox 7">
+            <a:extLst>
+              <a:ext uri="{FF2B5EF4-FFF2-40B4-BE49-F238E27FC236}">
+                <a16:creationId xmlns:a16="http://schemas.microsoft.com/office/drawing/2014/main" id="{B53D0F74-AC07-898B-80C0-88F28818F464}"/>
+              </a:ext>
+            </a:extLst>
+          </p:cNvPr>
+          <p:cNvSpPr txBox="1"/>
+          <p:nvPr/>
+        </p:nvSpPr>
+        <p:spPr>
+          <a:xfrm>
+            <a:off x="423251" y="4108089"/>
+            <a:ext cx="2147933" cy="369332"/>
+          </a:xfrm>
+          <a:prstGeom prst="rect">
+            <a:avLst/>
+          </a:prstGeom>
+          <a:noFill/>
+        </p:spPr>
+        <p:txBody>
+          <a:bodyPr wrap="square">
+            <a:spAutoFit/>
+          </a:bodyPr>
+          <a:lstStyle/>
+          <a:p>
+            <a:r>
+              <a:rPr lang="LID4096" dirty="0">
+                <a:solidFill>
+                  <a:srgbClr val="00B050"/>
+                </a:solidFill>
+              </a:rPr>
+              <a:t>m.write_input()</a:t>
+            </a:r>
+          </a:p>
+        </p:txBody>
+      </p:sp>
+      <p:sp>
+        <p:nvSpPr>
+          <p:cNvPr id="10" name="TextBox 9">
+            <a:extLst>
+              <a:ext uri="{FF2B5EF4-FFF2-40B4-BE49-F238E27FC236}">
+                <a16:creationId xmlns:a16="http://schemas.microsoft.com/office/drawing/2014/main" id="{DE7014F9-70AC-1C01-6CD3-607D9CA623AF}"/>
+              </a:ext>
+            </a:extLst>
+          </p:cNvPr>
+          <p:cNvSpPr txBox="1"/>
+          <p:nvPr/>
+        </p:nvSpPr>
+        <p:spPr>
+          <a:xfrm>
+            <a:off x="423251" y="4365794"/>
+            <a:ext cx="2147933" cy="369332"/>
+          </a:xfrm>
+          <a:prstGeom prst="rect">
+            <a:avLst/>
+          </a:prstGeom>
+          <a:noFill/>
+        </p:spPr>
+        <p:txBody>
+          <a:bodyPr wrap="square">
+            <a:spAutoFit/>
+          </a:bodyPr>
+          <a:lstStyle/>
+          <a:p>
+            <a:r>
+              <a:rPr lang="LID4096" dirty="0">
+                <a:solidFill>
+                  <a:srgbClr val="00B050"/>
+                </a:solidFill>
+              </a:rPr>
+              <a:t>m</a:t>
+            </a:r>
+          </a:p>
+        </p:txBody>
+      </p:sp>
+      <p:sp>
+        <p:nvSpPr>
+          <p:cNvPr id="14" name="Rectangle 1">
+            <a:extLst>
+              <a:ext uri="{FF2B5EF4-FFF2-40B4-BE49-F238E27FC236}">
+                <a16:creationId xmlns:a16="http://schemas.microsoft.com/office/drawing/2014/main" id="{36C0EA9E-DC68-AB21-C048-60CCE820D364}"/>
+              </a:ext>
+            </a:extLst>
+          </p:cNvPr>
+          <p:cNvSpPr>
+            <a:spLocks noChangeArrowheads="1"/>
+          </p:cNvSpPr>
+          <p:nvPr/>
+        </p:nvSpPr>
+        <p:spPr bwMode="auto">
+          <a:xfrm>
+            <a:off x="5784943" y="4489930"/>
+            <a:ext cx="6165632" cy="276999"/>
+          </a:xfrm>
+          <a:prstGeom prst="rect">
+            <a:avLst/>
+          </a:prstGeom>
+          <a:noFill/>
+          <a:ln w="9525">
+            <a:solidFill>
+              <a:schemeClr val="tx1"/>
+            </a:solidFill>
+            <a:miter lim="800000"/>
+            <a:headEnd/>
+            <a:tailEnd/>
+          </a:ln>
+          <a:effectLst/>
+          <a:extLst>
+            <a:ext uri="{909E8E84-426E-40DD-AFC4-6F175D3DCCD1}">
+              <a14:hiddenFill xmlns:a14="http://schemas.microsoft.com/office/drawing/2010/main">
+                <a:solidFill>
+                  <a:schemeClr val="accent1"/>
+                </a:solidFill>
+              </a14:hiddenFill>
+            </a:ext>
+            <a:ext uri="{AF507438-7753-43E0-B8FC-AC1667EBCBE1}">
+              <a14:hiddenEffects xmlns:a14="http://schemas.microsoft.com/office/drawing/2010/main">
+                <a:effectLst>
+                  <a:outerShdw dist="35921" dir="2700000" algn="ctr" rotWithShape="0">
+                    <a:schemeClr val="bg2"/>
+                  </a:outerShdw>
+                </a:effectLst>
+              </a14:hiddenEffects>
+            </a:ext>
+          </a:extLst>
+        </p:spPr>
+        <p:txBody>
+          <a:bodyPr vert="horz" wrap="square" lIns="91440" tIns="45720" rIns="91440" bIns="45720" numCol="1" anchor="ctr" anchorCtr="0" compatLnSpc="1">
+            <a:prstTxWarp prst="textNoShape">
+              <a:avLst/>
+            </a:prstTxWarp>
+            <a:spAutoFit/>
+          </a:bodyPr>
+          <a:lstStyle/>
+          <a:p>
+            <a:pPr marL="0" marR="0" lvl="0" indent="0" algn="l" defTabSz="914400" rtl="0" eaLnBrk="0" fontAlgn="base" latinLnBrk="0" hangingPunct="0">
+              <a:lnSpc>
+                <a:spcPct val="100000"/>
+              </a:lnSpc>
+              <a:spcBef>
+                <a:spcPct val="0"/>
+              </a:spcBef>
+              <a:spcAft>
+                <a:spcPct val="0"/>
+              </a:spcAft>
+              <a:buClrTx/>
+              <a:buSzTx/>
+              <a:buFontTx/>
+              <a:buNone/>
+              <a:tabLst/>
+            </a:pPr>
+            <a:r>
+              <a:rPr kumimoji="0" lang="LID4096" altLang="LID4096" sz="1200" b="1" i="0" u="none" strike="noStrike" cap="none" normalizeH="0" baseline="0" dirty="0">
+                <a:ln>
+                  <a:noFill/>
+                </a:ln>
+                <a:solidFill>
+                  <a:schemeClr val="tx1"/>
+                </a:solidFill>
+                <a:effectLst/>
+                <a:latin typeface="Arial Unicode MS"/>
+              </a:rPr>
+              <a:t>MODFLOW </a:t>
+            </a:r>
+            <a:r>
+              <a:rPr kumimoji="0" lang="pt-BR" altLang="LID4096" sz="1200" b="1" i="0" u="none" strike="noStrike" cap="none" normalizeH="0" baseline="0" dirty="0">
+                <a:ln>
+                  <a:noFill/>
+                </a:ln>
+                <a:solidFill>
+                  <a:schemeClr val="tx1"/>
+                </a:solidFill>
+                <a:effectLst/>
+                <a:latin typeface="Arial Unicode MS"/>
+              </a:rPr>
+              <a:t>	</a:t>
+            </a:r>
+            <a:r>
+              <a:rPr kumimoji="0" lang="LID4096" altLang="LID4096" sz="1200" b="1" i="0" u="none" strike="noStrike" cap="none" normalizeH="0" baseline="0" dirty="0">
+                <a:ln>
+                  <a:noFill/>
+                </a:ln>
+                <a:solidFill>
+                  <a:schemeClr val="tx1"/>
+                </a:solidFill>
+                <a:effectLst/>
+                <a:latin typeface="Arial Unicode MS"/>
+              </a:rPr>
+              <a:t>1 layer(s) </a:t>
+            </a:r>
+            <a:r>
+              <a:rPr kumimoji="0" lang="pt-BR" altLang="LID4096" sz="1200" b="1" i="0" u="none" strike="noStrike" cap="none" normalizeH="0" baseline="0" dirty="0">
+                <a:ln>
+                  <a:noFill/>
+                </a:ln>
+                <a:solidFill>
+                  <a:schemeClr val="tx1"/>
+                </a:solidFill>
+                <a:effectLst/>
+                <a:latin typeface="Arial Unicode MS"/>
+              </a:rPr>
+              <a:t>	</a:t>
+            </a:r>
+            <a:r>
+              <a:rPr kumimoji="0" lang="LID4096" altLang="LID4096" sz="1200" b="1" i="0" u="none" strike="noStrike" cap="none" normalizeH="0" baseline="0" dirty="0">
+                <a:ln>
+                  <a:noFill/>
+                </a:ln>
+                <a:solidFill>
+                  <a:schemeClr val="tx1"/>
+                </a:solidFill>
+                <a:effectLst/>
+                <a:latin typeface="Arial Unicode MS"/>
+              </a:rPr>
+              <a:t>2 row(s) </a:t>
+            </a:r>
+            <a:r>
+              <a:rPr kumimoji="0" lang="pt-BR" altLang="LID4096" sz="1200" b="1" i="0" u="none" strike="noStrike" cap="none" normalizeH="0" baseline="0" dirty="0">
+                <a:ln>
+                  <a:noFill/>
+                </a:ln>
+                <a:solidFill>
+                  <a:schemeClr val="tx1"/>
+                </a:solidFill>
+                <a:effectLst/>
+                <a:latin typeface="Arial Unicode MS"/>
+              </a:rPr>
+              <a:t>	</a:t>
+            </a:r>
+            <a:r>
+              <a:rPr kumimoji="0" lang="LID4096" altLang="LID4096" sz="1200" b="1" i="0" u="none" strike="noStrike" cap="none" normalizeH="0" baseline="0" dirty="0">
+                <a:ln>
+                  <a:noFill/>
+                </a:ln>
+                <a:solidFill>
+                  <a:schemeClr val="tx1"/>
+                </a:solidFill>
+                <a:effectLst/>
+                <a:latin typeface="Arial Unicode MS"/>
+              </a:rPr>
+              <a:t>2 column(s) </a:t>
+            </a:r>
+            <a:r>
+              <a:rPr kumimoji="0" lang="pt-BR" altLang="LID4096" sz="1200" b="1" i="0" u="none" strike="noStrike" cap="none" normalizeH="0" baseline="0" dirty="0">
+                <a:ln>
+                  <a:noFill/>
+                </a:ln>
+                <a:solidFill>
+                  <a:schemeClr val="tx1"/>
+                </a:solidFill>
+                <a:effectLst/>
+                <a:latin typeface="Arial Unicode MS"/>
+              </a:rPr>
+              <a:t>		</a:t>
+            </a:r>
+            <a:r>
+              <a:rPr kumimoji="0" lang="LID4096" altLang="LID4096" sz="1200" b="1" i="0" u="none" strike="noStrike" cap="none" normalizeH="0" baseline="0" dirty="0">
+                <a:ln>
+                  <a:noFill/>
+                </a:ln>
+                <a:solidFill>
+                  <a:schemeClr val="tx1"/>
+                </a:solidFill>
+                <a:effectLst/>
+                <a:latin typeface="Arial Unicode MS"/>
+              </a:rPr>
+              <a:t>3 stress period(s)</a:t>
+            </a:r>
+            <a:endParaRPr kumimoji="0" lang="LID4096" altLang="LID4096" sz="2800" b="1" i="0" u="none" strike="noStrike" cap="none" normalizeH="0" baseline="0" dirty="0">
+              <a:ln>
+                <a:noFill/>
+              </a:ln>
+              <a:solidFill>
+                <a:schemeClr val="tx1"/>
+              </a:solidFill>
+              <a:effectLst/>
+              <a:latin typeface="Arial" panose="020B0604020202020204" pitchFamily="34" charset="0"/>
+            </a:endParaRPr>
+          </a:p>
+        </p:txBody>
+      </p:sp>
+      <p:sp>
+        <p:nvSpPr>
+          <p:cNvPr id="16" name="TextBox 15">
+            <a:extLst>
+              <a:ext uri="{FF2B5EF4-FFF2-40B4-BE49-F238E27FC236}">
+                <a16:creationId xmlns:a16="http://schemas.microsoft.com/office/drawing/2014/main" id="{2BF47B1F-AD2F-50CE-AAD2-4F9822A15F5A}"/>
+              </a:ext>
+            </a:extLst>
+          </p:cNvPr>
+          <p:cNvSpPr txBox="1"/>
+          <p:nvPr/>
+        </p:nvSpPr>
+        <p:spPr>
+          <a:xfrm>
+            <a:off x="189899" y="3611766"/>
+            <a:ext cx="6097508" cy="369332"/>
+          </a:xfrm>
+          <a:prstGeom prst="rect">
+            <a:avLst/>
+          </a:prstGeom>
+          <a:noFill/>
+        </p:spPr>
+        <p:txBody>
+          <a:bodyPr wrap="square">
+            <a:spAutoFit/>
+          </a:bodyPr>
+          <a:lstStyle/>
+          <a:p>
+            <a:r>
+              <a:rPr lang="LID4096" dirty="0"/>
+              <a:t>dis = flopy.</a:t>
+            </a:r>
+            <a:r>
+              <a:rPr lang="LID4096" dirty="0">
+                <a:solidFill>
+                  <a:srgbClr val="FF0000"/>
+                </a:solidFill>
+              </a:rPr>
+              <a:t>modflow.Modflow</a:t>
+            </a:r>
+            <a:r>
+              <a:rPr lang="LID4096" dirty="0"/>
+              <a:t>Dis(m, nper=3)</a:t>
+            </a:r>
+          </a:p>
+        </p:txBody>
+      </p:sp>
+      <p:sp>
+        <p:nvSpPr>
+          <p:cNvPr id="18" name="TextBox 17">
+            <a:extLst>
+              <a:ext uri="{FF2B5EF4-FFF2-40B4-BE49-F238E27FC236}">
+                <a16:creationId xmlns:a16="http://schemas.microsoft.com/office/drawing/2014/main" id="{BF76E0D7-459F-CFB4-36F1-5313C362FA18}"/>
+              </a:ext>
+            </a:extLst>
+          </p:cNvPr>
+          <p:cNvSpPr txBox="1"/>
+          <p:nvPr/>
+        </p:nvSpPr>
+        <p:spPr>
+          <a:xfrm>
+            <a:off x="189899" y="2456603"/>
+            <a:ext cx="6201624" cy="646331"/>
+          </a:xfrm>
+          <a:prstGeom prst="rect">
+            <a:avLst/>
+          </a:prstGeom>
+          <a:noFill/>
+        </p:spPr>
+        <p:txBody>
+          <a:bodyPr wrap="square">
+            <a:spAutoFit/>
+          </a:bodyPr>
+          <a:lstStyle/>
+          <a:p>
+            <a:r>
+              <a:rPr lang="LID4096" dirty="0">
+                <a:solidFill>
+                  <a:srgbClr val="00B050"/>
+                </a:solidFill>
+              </a:rPr>
+              <a:t>ws = "./tempIN/FOLDER-A" </a:t>
+            </a:r>
+          </a:p>
+          <a:p>
+            <a:r>
+              <a:rPr lang="LID4096" dirty="0">
+                <a:solidFill>
+                  <a:srgbClr val="00B050"/>
+                </a:solidFill>
+              </a:rPr>
+              <a:t>name = "m"   # Simulation Name</a:t>
+            </a:r>
+          </a:p>
+        </p:txBody>
+      </p:sp>
+      <p:sp>
+        <p:nvSpPr>
+          <p:cNvPr id="20" name="TextBox 19">
+            <a:extLst>
+              <a:ext uri="{FF2B5EF4-FFF2-40B4-BE49-F238E27FC236}">
+                <a16:creationId xmlns:a16="http://schemas.microsoft.com/office/drawing/2014/main" id="{4B6A2B37-B0FF-3238-F87A-97D7E64E4CBC}"/>
+              </a:ext>
+            </a:extLst>
+          </p:cNvPr>
+          <p:cNvSpPr txBox="1"/>
+          <p:nvPr/>
+        </p:nvSpPr>
+        <p:spPr>
+          <a:xfrm>
+            <a:off x="423251" y="4672413"/>
+            <a:ext cx="3868092" cy="369332"/>
+          </a:xfrm>
+          <a:prstGeom prst="rect">
+            <a:avLst/>
+          </a:prstGeom>
+          <a:noFill/>
+        </p:spPr>
+        <p:txBody>
+          <a:bodyPr wrap="square">
+            <a:spAutoFit/>
+          </a:bodyPr>
+          <a:lstStyle/>
+          <a:p>
+            <a:r>
+              <a:rPr lang="LID4096" dirty="0">
+                <a:solidFill>
+                  <a:srgbClr val="00B050"/>
+                </a:solidFill>
+              </a:rPr>
+              <a:t>!head -n 10 'tempIN/FOLDER-A/b.riv'</a:t>
+            </a:r>
+          </a:p>
+        </p:txBody>
+      </p:sp>
+      <p:sp>
+        <p:nvSpPr>
+          <p:cNvPr id="22" name="TextBox 21">
+            <a:extLst>
+              <a:ext uri="{FF2B5EF4-FFF2-40B4-BE49-F238E27FC236}">
+                <a16:creationId xmlns:a16="http://schemas.microsoft.com/office/drawing/2014/main" id="{09F67394-4791-1938-41A2-9CC5252CC107}"/>
+              </a:ext>
+            </a:extLst>
+          </p:cNvPr>
+          <p:cNvSpPr txBox="1"/>
+          <p:nvPr/>
+        </p:nvSpPr>
+        <p:spPr>
+          <a:xfrm>
+            <a:off x="106266" y="5055328"/>
+            <a:ext cx="6097508" cy="646331"/>
+          </a:xfrm>
+          <a:prstGeom prst="rect">
+            <a:avLst/>
+          </a:prstGeom>
+          <a:noFill/>
+        </p:spPr>
+        <p:txBody>
+          <a:bodyPr wrap="square">
+            <a:spAutoFit/>
+          </a:bodyPr>
+          <a:lstStyle/>
+          <a:p>
+            <a:r>
+              <a:rPr lang="LID4096" dirty="0">
+                <a:solidFill>
+                  <a:srgbClr val="FF0000"/>
+                </a:solidFill>
+              </a:rPr>
+              <a:t>riv_dtype = </a:t>
+            </a:r>
+            <a:r>
+              <a:rPr lang="LID4096" dirty="0"/>
+              <a:t>flopy.</a:t>
+            </a:r>
+            <a:r>
+              <a:rPr lang="LID4096" dirty="0">
+                <a:solidFill>
+                  <a:srgbClr val="FF0000"/>
+                </a:solidFill>
+              </a:rPr>
+              <a:t>modflow.ModflowRiv</a:t>
+            </a:r>
+            <a:r>
+              <a:rPr lang="LID4096" dirty="0"/>
+              <a:t>.get_default_dtype()</a:t>
+            </a:r>
+          </a:p>
+          <a:p>
+            <a:r>
+              <a:rPr lang="LID4096" dirty="0">
+                <a:solidFill>
+                  <a:srgbClr val="FF0000"/>
+                </a:solidFill>
+              </a:rPr>
+              <a:t>print(riv_dtype)</a:t>
+            </a:r>
+          </a:p>
+        </p:txBody>
+      </p:sp>
+      <p:sp>
+        <p:nvSpPr>
+          <p:cNvPr id="26" name="TextBox 25">
+            <a:extLst>
+              <a:ext uri="{FF2B5EF4-FFF2-40B4-BE49-F238E27FC236}">
+                <a16:creationId xmlns:a16="http://schemas.microsoft.com/office/drawing/2014/main" id="{CFBB806E-29EE-8465-2A7A-A83AA1162669}"/>
+              </a:ext>
+            </a:extLst>
+          </p:cNvPr>
+          <p:cNvSpPr txBox="1"/>
+          <p:nvPr/>
+        </p:nvSpPr>
+        <p:spPr>
+          <a:xfrm>
+            <a:off x="5941525" y="5241705"/>
+            <a:ext cx="6097508" cy="338554"/>
+          </a:xfrm>
+          <a:prstGeom prst="rect">
+            <a:avLst/>
+          </a:prstGeom>
+          <a:noFill/>
+        </p:spPr>
+        <p:txBody>
+          <a:bodyPr wrap="square">
+            <a:spAutoFit/>
+          </a:bodyPr>
+          <a:lstStyle/>
+          <a:p>
+            <a:r>
+              <a:rPr lang="LID4096" sz="1600" dirty="0"/>
+              <a:t>fpm.Modflow</a:t>
+            </a:r>
+            <a:r>
+              <a:rPr lang="LID4096" sz="1600" dirty="0">
+                <a:solidFill>
+                  <a:srgbClr val="0000FF"/>
+                </a:solidFill>
+              </a:rPr>
+              <a:t>Wel(model, stress_period_data=lrcQ)</a:t>
+            </a:r>
+            <a:endParaRPr lang="LID4096" sz="1600" dirty="0"/>
+          </a:p>
+        </p:txBody>
+      </p:sp>
+      <p:sp>
+        <p:nvSpPr>
+          <p:cNvPr id="27" name="TextBox 26">
+            <a:extLst>
+              <a:ext uri="{FF2B5EF4-FFF2-40B4-BE49-F238E27FC236}">
+                <a16:creationId xmlns:a16="http://schemas.microsoft.com/office/drawing/2014/main" id="{3A77C56A-DFD8-0185-5612-B23148EB0741}"/>
+              </a:ext>
+            </a:extLst>
+          </p:cNvPr>
+          <p:cNvSpPr txBox="1"/>
+          <p:nvPr/>
+        </p:nvSpPr>
+        <p:spPr>
+          <a:xfrm>
+            <a:off x="5495453" y="6153750"/>
+            <a:ext cx="6214982" cy="584775"/>
+          </a:xfrm>
+          <a:prstGeom prst="rect">
+            <a:avLst/>
+          </a:prstGeom>
+          <a:noFill/>
+        </p:spPr>
+        <p:txBody>
+          <a:bodyPr wrap="square">
+            <a:spAutoFit/>
+          </a:bodyPr>
+          <a:lstStyle/>
+          <a:p>
+            <a:r>
+              <a:rPr lang="pt-BR" sz="1600" dirty="0" err="1">
+                <a:solidFill>
+                  <a:srgbClr val="FF0000"/>
+                </a:solidFill>
+              </a:rPr>
+              <a:t>wel</a:t>
+            </a:r>
+            <a:r>
+              <a:rPr lang="LID4096" sz="1600" dirty="0">
+                <a:solidFill>
+                  <a:srgbClr val="FF0000"/>
+                </a:solidFill>
+              </a:rPr>
+              <a:t>_dtype = </a:t>
+            </a:r>
+            <a:r>
+              <a:rPr lang="LID4096" sz="1600" dirty="0"/>
+              <a:t>flopy.</a:t>
+            </a:r>
+            <a:r>
+              <a:rPr lang="LID4096" sz="1600" dirty="0">
+                <a:solidFill>
+                  <a:srgbClr val="FF0000"/>
+                </a:solidFill>
+              </a:rPr>
+              <a:t>modflow.Modflow</a:t>
+            </a:r>
+            <a:r>
+              <a:rPr lang="pt-BR" sz="1600" dirty="0" err="1">
+                <a:solidFill>
+                  <a:srgbClr val="FF0000"/>
+                </a:solidFill>
+              </a:rPr>
+              <a:t>Wel</a:t>
+            </a:r>
+            <a:r>
+              <a:rPr lang="LID4096" sz="1600" dirty="0"/>
+              <a:t>.get_default_dtype()</a:t>
+            </a:r>
+          </a:p>
+          <a:p>
+            <a:r>
+              <a:rPr lang="LID4096" sz="1600" dirty="0">
+                <a:solidFill>
+                  <a:srgbClr val="FF0000"/>
+                </a:solidFill>
+              </a:rPr>
+              <a:t>print(</a:t>
+            </a:r>
+            <a:r>
+              <a:rPr lang="pt-BR" sz="1600" dirty="0" err="1">
+                <a:solidFill>
+                  <a:srgbClr val="FF0000"/>
+                </a:solidFill>
+              </a:rPr>
+              <a:t>wel</a:t>
+            </a:r>
+            <a:r>
+              <a:rPr lang="LID4096" sz="1600" dirty="0">
+                <a:solidFill>
+                  <a:srgbClr val="FF0000"/>
+                </a:solidFill>
+              </a:rPr>
+              <a:t>_dtype)</a:t>
+            </a:r>
+          </a:p>
+        </p:txBody>
+      </p:sp>
+      <p:sp>
+        <p:nvSpPr>
+          <p:cNvPr id="29" name="TextBox 28">
+            <a:extLst>
+              <a:ext uri="{FF2B5EF4-FFF2-40B4-BE49-F238E27FC236}">
+                <a16:creationId xmlns:a16="http://schemas.microsoft.com/office/drawing/2014/main" id="{3F6A8109-4862-5A84-9E08-260B873C84EC}"/>
+              </a:ext>
+            </a:extLst>
+          </p:cNvPr>
+          <p:cNvSpPr txBox="1"/>
+          <p:nvPr/>
+        </p:nvSpPr>
+        <p:spPr>
+          <a:xfrm>
+            <a:off x="5276928" y="5799898"/>
+            <a:ext cx="7181661" cy="338554"/>
+          </a:xfrm>
+          <a:prstGeom prst="rect">
+            <a:avLst/>
+          </a:prstGeom>
+          <a:noFill/>
+        </p:spPr>
+        <p:txBody>
+          <a:bodyPr wrap="square">
+            <a:spAutoFit/>
+          </a:bodyPr>
+          <a:lstStyle/>
+          <a:p>
+            <a:r>
+              <a:rPr lang="pt-BR" sz="1600" dirty="0" err="1"/>
+              <a:t>Wel</a:t>
+            </a:r>
+            <a:r>
+              <a:rPr lang="LID4096" sz="1600" dirty="0"/>
+              <a:t> = flopy.</a:t>
+            </a:r>
+            <a:r>
+              <a:rPr lang="LID4096" sz="1600" dirty="0">
+                <a:solidFill>
+                  <a:srgbClr val="FF0000"/>
+                </a:solidFill>
+              </a:rPr>
+              <a:t>modflow.Modflow</a:t>
+            </a:r>
+            <a:r>
+              <a:rPr lang="pt-BR" sz="1600" dirty="0" err="1">
+                <a:solidFill>
+                  <a:srgbClr val="FF0000"/>
+                </a:solidFill>
+              </a:rPr>
+              <a:t>Wel</a:t>
+            </a:r>
+            <a:r>
+              <a:rPr lang="LID4096" sz="1600" dirty="0"/>
+              <a:t>(m, stress_period_data=stress_period_data)</a:t>
+            </a:r>
+          </a:p>
+        </p:txBody>
+      </p:sp>
+      <p:sp>
+        <p:nvSpPr>
+          <p:cNvPr id="31" name="TextBox 30">
+            <a:extLst>
+              <a:ext uri="{FF2B5EF4-FFF2-40B4-BE49-F238E27FC236}">
+                <a16:creationId xmlns:a16="http://schemas.microsoft.com/office/drawing/2014/main" id="{87CDE2AD-9003-7462-7DCD-D2CA5679DE2B}"/>
+              </a:ext>
+            </a:extLst>
+          </p:cNvPr>
+          <p:cNvSpPr txBox="1"/>
+          <p:nvPr/>
+        </p:nvSpPr>
+        <p:spPr>
+          <a:xfrm>
+            <a:off x="-25010" y="36361"/>
+            <a:ext cx="6228784" cy="369332"/>
+          </a:xfrm>
+          <a:prstGeom prst="rect">
+            <a:avLst/>
+          </a:prstGeom>
+          <a:noFill/>
+        </p:spPr>
+        <p:txBody>
+          <a:bodyPr wrap="square">
+            <a:spAutoFit/>
+          </a:bodyPr>
+          <a:lstStyle/>
+          <a:p>
+            <a:r>
+              <a:rPr lang="LID4096" dirty="0"/>
+              <a:t>E:\15_REPOS\00_Betami\02_Flopy_1_2_3__</a:t>
+            </a:r>
+          </a:p>
+        </p:txBody>
+      </p:sp>
+    </p:spTree>
+    <p:extLst>
+      <p:ext uri="{BB962C8B-B14F-4D97-AF65-F5344CB8AC3E}">
+        <p14:creationId xmlns:p14="http://schemas.microsoft.com/office/powerpoint/2010/main" val="27353233"/>
       </p:ext>
     </p:extLst>
   </p:cSld>
